--- a/InfluxDB-Repository/Corte Programación Avanzada.pptx
+++ b/InfluxDB-Repository/Corte Programación Avanzada.pptx
@@ -10,6 +10,8 @@
     <p:sldId id="258" r:id="rId4"/>
     <p:sldId id="259" r:id="rId5"/>
     <p:sldId id="260" r:id="rId6"/>
+    <p:sldId id="261" r:id="rId7"/>
+    <p:sldId id="262" r:id="rId8"/>
   </p:sldIdLst>
   <p:sldSz cx="12192000" cy="6858000"/>
   <p:notesSz cx="6858000" cy="9144000"/>
@@ -601,7 +603,7 @@
           <a:p>
             <a:fld id="{2527DA44-1E80-4449-B3C6-0250C877DE75}" type="datetimeFigureOut">
               <a:rPr lang="es-ES" smtClean="0"/>
-              <a:t>06/12/2022</a:t>
+              <a:t>20/12/2022</a:t>
             </a:fld>
             <a:endParaRPr lang="es-ES"/>
           </a:p>
@@ -5035,13 +5037,8 @@
           <a:p>
             <a:r>
               <a:rPr lang="es-ES" dirty="0" smtClean="0"/>
-              <a:t>Corte de Proyecto </a:t>
+              <a:t>Corte de Proyecto Final</a:t>
             </a:r>
-            <a:r>
-              <a:rPr lang="es-ES" dirty="0" smtClean="0"/>
-              <a:t>Final</a:t>
-            </a:r>
-            <a:endParaRPr lang="es-ES" dirty="0" smtClean="0"/>
           </a:p>
         </p:txBody>
       </p:sp>
@@ -5367,13 +5364,13 @@
   <p:clrMapOvr>
     <a:masterClrMapping/>
   </p:clrMapOvr>
-  <mc:AlternateContent xmlns:mc="http://schemas.openxmlformats.org/markup-compatibility/2006">
-    <mc:Choice xmlns:p14="http://schemas.microsoft.com/office/powerpoint/2010/main" Requires="p14">
+  <mc:AlternateContent xmlns:mc="http://schemas.openxmlformats.org/markup-compatibility/2006" xmlns:p14="http://schemas.microsoft.com/office/powerpoint/2010/main">
+    <mc:Choice Requires="p14">
       <p:transition spd="med" p14:dur="700">
         <p:fade/>
       </p:transition>
     </mc:Choice>
-    <mc:Fallback>
+    <mc:Fallback xmlns="">
       <p:transition spd="med">
         <p:fade/>
       </p:transition>
@@ -5512,12 +5509,9 @@
             </a:r>
             <a:r>
               <a:rPr lang="es-ES" sz="3200" dirty="0" smtClean="0"/>
-              <a:t>Gestión </a:t>
+              <a:t>Almacenar lecturas de diferentes tipos de sensores y poder consultarlas o eliminarlas según un lapso de tiempo definido.</a:t>
             </a:r>
-            <a:r>
-              <a:rPr lang="es-ES" sz="3200" dirty="0"/>
-              <a:t>de entrega y recogida de libros de una biblioteca y poder tener control sobre la hora de cada uno de estos eventos.</a:t>
-            </a:r>
+            <a:endParaRPr lang="es-ES" sz="3200" dirty="0"/>
           </a:p>
         </p:txBody>
       </p:sp>
@@ -5611,12 +5605,8 @@
               <a:buChar char="•"/>
             </a:pPr>
             <a:r>
-              <a:rPr lang="es-ES" sz="3200" dirty="0"/>
-              <a:t>Tener control de la cantidad de libros que hay en la </a:t>
-            </a:r>
-            <a:r>
-              <a:rPr lang="es-ES" sz="3200" dirty="0" smtClean="0"/>
-              <a:t>biblioteca.</a:t>
+              <a:rPr lang="es-ES" sz="4000" dirty="0" smtClean="0"/>
+              <a:t>Poder promediar los valores de los diferentes sensores en lapsos de tiempo.</a:t>
             </a:r>
           </a:p>
           <a:p>
@@ -5625,16 +5615,8 @@
               <a:buChar char="•"/>
             </a:pPr>
             <a:r>
-              <a:rPr lang="es-ES" sz="3200" dirty="0" smtClean="0"/>
-              <a:t>Comprobar </a:t>
-            </a:r>
-            <a:r>
-              <a:rPr lang="es-ES" sz="3200" dirty="0"/>
-              <a:t>si el libro que se intenta extraer lo tiene algún cliente y la fecha que lo extrajo o está </a:t>
-            </a:r>
-            <a:r>
-              <a:rPr lang="es-ES" sz="3200" dirty="0" smtClean="0"/>
-              <a:t>disponible.</a:t>
+              <a:rPr lang="es-ES" sz="4000" dirty="0" smtClean="0"/>
+              <a:t>Consultar todas las mediciones de un sensor en específico.</a:t>
             </a:r>
           </a:p>
           <a:p>
@@ -5643,31 +5625,10 @@
               <a:buChar char="•"/>
             </a:pPr>
             <a:r>
-              <a:rPr lang="es-ES" sz="3200" dirty="0" smtClean="0"/>
-              <a:t>Tener </a:t>
+              <a:rPr lang="es-ES" sz="4000" dirty="0" smtClean="0"/>
+              <a:t>Poder añadir un nuevo sensor si se desea.</a:t>
             </a:r>
-            <a:r>
-              <a:rPr lang="es-ES" sz="3200" dirty="0"/>
-              <a:t>control del estado de calidad de cada </a:t>
-            </a:r>
-            <a:r>
-              <a:rPr lang="es-ES" sz="3200" dirty="0" smtClean="0"/>
-              <a:t>libro.</a:t>
-            </a:r>
-          </a:p>
-          <a:p>
-            <a:pPr marL="342900" indent="-342900" algn="just">
-              <a:buFont typeface="Arial" panose="020B0604020202020204" pitchFamily="34" charset="0"/>
-              <a:buChar char="•"/>
-            </a:pPr>
-            <a:r>
-              <a:rPr lang="es-ES" sz="3200" dirty="0" smtClean="0"/>
-              <a:t>Poder </a:t>
-            </a:r>
-            <a:r>
-              <a:rPr lang="es-ES" sz="3200" dirty="0"/>
-              <a:t>aumentar la cantidad de objetos a controlar.</a:t>
-            </a:r>
+            <a:endParaRPr lang="es-ES" sz="4000" dirty="0"/>
           </a:p>
         </p:txBody>
       </p:sp>
@@ -7214,23 +7175,7 @@
             </a:pPr>
             <a:r>
               <a:rPr lang="es-ES" dirty="0" smtClean="0"/>
-              <a:t>Configuración para gestión, </a:t>
-            </a:r>
-            <a:r>
-              <a:rPr lang="es-ES" dirty="0" err="1" smtClean="0"/>
-              <a:t>querys</a:t>
-            </a:r>
-            <a:r>
-              <a:rPr lang="es-ES" dirty="0" smtClean="0"/>
-              <a:t> y </a:t>
-            </a:r>
-            <a:r>
-              <a:rPr lang="es-ES" dirty="0" err="1" smtClean="0"/>
-              <a:t>writes</a:t>
-            </a:r>
-            <a:r>
-              <a:rPr lang="es-ES" dirty="0" smtClean="0"/>
-              <a:t> a partir de </a:t>
+              <a:t>Configuración para gestión, consultas y escrituras a partir de </a:t>
             </a:r>
             <a:r>
               <a:rPr lang="es-ES" dirty="0" err="1" smtClean="0"/>
@@ -7899,210 +7844,707 @@
       </p:grpSpPr>
       <p:sp>
         <p:nvSpPr>
-          <p:cNvPr id="3" name="Subtitle 2"/>
-          <p:cNvSpPr>
-            <a:spLocks noGrp="1"/>
+          <p:cNvPr id="5" name="Title 1"/>
+          <p:cNvSpPr txBox="1">
+            <a:spLocks/>
           </p:cNvSpPr>
-          <p:nvPr>
-            <p:ph type="subTitle" idx="1"/>
-          </p:nvPr>
+          <p:nvPr/>
         </p:nvSpPr>
         <p:spPr>
           <a:xfrm>
-            <a:off x="802105" y="1892968"/>
-            <a:ext cx="10571748" cy="4154906"/>
+            <a:off x="609600" y="785478"/>
+            <a:ext cx="6208295" cy="1107490"/>
           </a:xfrm>
+          <a:prstGeom prst="rect">
+            <a:avLst/>
+          </a:prstGeom>
+          <a:noFill/>
+          <a:ln>
+            <a:noFill/>
+          </a:ln>
         </p:spPr>
         <p:txBody>
-          <a:bodyPr/>
-          <a:lstStyle/>
+          <a:bodyPr spcFirstLastPara="1" wrap="square" lIns="0" tIns="0" rIns="0" bIns="0" anchor="b" anchorCtr="0">
+            <a:noAutofit/>
+          </a:bodyPr>
+          <a:lstStyle>
+            <a:defPPr marR="0" lvl="0" algn="l" rtl="0">
+              <a:lnSpc>
+                <a:spcPct val="100000"/>
+              </a:lnSpc>
+              <a:spcBef>
+                <a:spcPts val="0"/>
+              </a:spcBef>
+              <a:spcAft>
+                <a:spcPts val="0"/>
+              </a:spcAft>
+            </a:defPPr>
+            <a:lvl1pPr marR="0" lvl="0" algn="ctr" rtl="0" eaLnBrk="1" hangingPunct="1">
+              <a:lnSpc>
+                <a:spcPct val="90000"/>
+              </a:lnSpc>
+              <a:spcBef>
+                <a:spcPts val="0"/>
+              </a:spcBef>
+              <a:spcAft>
+                <a:spcPts val="0"/>
+              </a:spcAft>
+              <a:buClr>
+                <a:schemeClr val="lt1"/>
+              </a:buClr>
+              <a:buSzPts val="3200"/>
+              <a:buFont typeface="Ubuntu"/>
+              <a:buNone/>
+              <a:defRPr sz="6000" b="1" i="0" u="none" strike="noStrike" cap="none">
+                <a:solidFill>
+                  <a:schemeClr val="lt1"/>
+                </a:solidFill>
+                <a:latin typeface="Ubuntu"/>
+                <a:ea typeface="Ubuntu"/>
+                <a:cs typeface="Ubuntu"/>
+                <a:sym typeface="Ubuntu"/>
+              </a:defRPr>
+            </a:lvl1pPr>
+            <a:lvl2pPr marR="0" lvl="1" algn="l" rtl="0" eaLnBrk="1" hangingPunct="1">
+              <a:lnSpc>
+                <a:spcPct val="90000"/>
+              </a:lnSpc>
+              <a:spcBef>
+                <a:spcPts val="0"/>
+              </a:spcBef>
+              <a:spcAft>
+                <a:spcPts val="0"/>
+              </a:spcAft>
+              <a:buClr>
+                <a:schemeClr val="lt1"/>
+              </a:buClr>
+              <a:buSzPts val="3200"/>
+              <a:buFont typeface="Ubuntu"/>
+              <a:buNone/>
+              <a:defRPr sz="3200" b="1" i="0" u="none" strike="noStrike" cap="none">
+                <a:solidFill>
+                  <a:schemeClr val="lt1"/>
+                </a:solidFill>
+                <a:latin typeface="Ubuntu"/>
+                <a:ea typeface="Ubuntu"/>
+                <a:cs typeface="Ubuntu"/>
+                <a:sym typeface="Ubuntu"/>
+              </a:defRPr>
+            </a:lvl2pPr>
+            <a:lvl3pPr marR="0" lvl="2" algn="l" rtl="0" eaLnBrk="1" hangingPunct="1">
+              <a:lnSpc>
+                <a:spcPct val="90000"/>
+              </a:lnSpc>
+              <a:spcBef>
+                <a:spcPts val="0"/>
+              </a:spcBef>
+              <a:spcAft>
+                <a:spcPts val="0"/>
+              </a:spcAft>
+              <a:buClr>
+                <a:schemeClr val="lt1"/>
+              </a:buClr>
+              <a:buSzPts val="3200"/>
+              <a:buFont typeface="Ubuntu"/>
+              <a:buNone/>
+              <a:defRPr sz="3200" b="1" i="0" u="none" strike="noStrike" cap="none">
+                <a:solidFill>
+                  <a:schemeClr val="lt1"/>
+                </a:solidFill>
+                <a:latin typeface="Ubuntu"/>
+                <a:ea typeface="Ubuntu"/>
+                <a:cs typeface="Ubuntu"/>
+                <a:sym typeface="Ubuntu"/>
+              </a:defRPr>
+            </a:lvl3pPr>
+            <a:lvl4pPr marR="0" lvl="3" algn="l" rtl="0" eaLnBrk="1" hangingPunct="1">
+              <a:lnSpc>
+                <a:spcPct val="90000"/>
+              </a:lnSpc>
+              <a:spcBef>
+                <a:spcPts val="0"/>
+              </a:spcBef>
+              <a:spcAft>
+                <a:spcPts val="0"/>
+              </a:spcAft>
+              <a:buClr>
+                <a:schemeClr val="lt1"/>
+              </a:buClr>
+              <a:buSzPts val="3200"/>
+              <a:buFont typeface="Ubuntu"/>
+              <a:buNone/>
+              <a:defRPr sz="3200" b="1" i="0" u="none" strike="noStrike" cap="none">
+                <a:solidFill>
+                  <a:schemeClr val="lt1"/>
+                </a:solidFill>
+                <a:latin typeface="Ubuntu"/>
+                <a:ea typeface="Ubuntu"/>
+                <a:cs typeface="Ubuntu"/>
+                <a:sym typeface="Ubuntu"/>
+              </a:defRPr>
+            </a:lvl4pPr>
+            <a:lvl5pPr marR="0" lvl="4" algn="l" rtl="0" eaLnBrk="1" hangingPunct="1">
+              <a:lnSpc>
+                <a:spcPct val="90000"/>
+              </a:lnSpc>
+              <a:spcBef>
+                <a:spcPts val="0"/>
+              </a:spcBef>
+              <a:spcAft>
+                <a:spcPts val="0"/>
+              </a:spcAft>
+              <a:buClr>
+                <a:schemeClr val="lt1"/>
+              </a:buClr>
+              <a:buSzPts val="3200"/>
+              <a:buFont typeface="Ubuntu"/>
+              <a:buNone/>
+              <a:defRPr sz="3200" b="1" i="0" u="none" strike="noStrike" cap="none">
+                <a:solidFill>
+                  <a:schemeClr val="lt1"/>
+                </a:solidFill>
+                <a:latin typeface="Ubuntu"/>
+                <a:ea typeface="Ubuntu"/>
+                <a:cs typeface="Ubuntu"/>
+                <a:sym typeface="Ubuntu"/>
+              </a:defRPr>
+            </a:lvl5pPr>
+            <a:lvl6pPr marR="0" lvl="5" algn="l" rtl="0" eaLnBrk="1" hangingPunct="1">
+              <a:lnSpc>
+                <a:spcPct val="90000"/>
+              </a:lnSpc>
+              <a:spcBef>
+                <a:spcPts val="0"/>
+              </a:spcBef>
+              <a:spcAft>
+                <a:spcPts val="0"/>
+              </a:spcAft>
+              <a:buClr>
+                <a:schemeClr val="lt1"/>
+              </a:buClr>
+              <a:buSzPts val="3200"/>
+              <a:buFont typeface="Ubuntu"/>
+              <a:buNone/>
+              <a:defRPr sz="3200" b="1" i="0" u="none" strike="noStrike" cap="none">
+                <a:solidFill>
+                  <a:schemeClr val="lt1"/>
+                </a:solidFill>
+                <a:latin typeface="Ubuntu"/>
+                <a:ea typeface="Ubuntu"/>
+                <a:cs typeface="Ubuntu"/>
+                <a:sym typeface="Ubuntu"/>
+              </a:defRPr>
+            </a:lvl6pPr>
+            <a:lvl7pPr marR="0" lvl="6" algn="l" rtl="0" eaLnBrk="1" hangingPunct="1">
+              <a:lnSpc>
+                <a:spcPct val="90000"/>
+              </a:lnSpc>
+              <a:spcBef>
+                <a:spcPts val="0"/>
+              </a:spcBef>
+              <a:spcAft>
+                <a:spcPts val="0"/>
+              </a:spcAft>
+              <a:buClr>
+                <a:schemeClr val="lt1"/>
+              </a:buClr>
+              <a:buSzPts val="3200"/>
+              <a:buFont typeface="Ubuntu"/>
+              <a:buNone/>
+              <a:defRPr sz="3200" b="1" i="0" u="none" strike="noStrike" cap="none">
+                <a:solidFill>
+                  <a:schemeClr val="lt1"/>
+                </a:solidFill>
+                <a:latin typeface="Ubuntu"/>
+                <a:ea typeface="Ubuntu"/>
+                <a:cs typeface="Ubuntu"/>
+                <a:sym typeface="Ubuntu"/>
+              </a:defRPr>
+            </a:lvl7pPr>
+            <a:lvl8pPr marR="0" lvl="7" algn="l" rtl="0" eaLnBrk="1" hangingPunct="1">
+              <a:lnSpc>
+                <a:spcPct val="90000"/>
+              </a:lnSpc>
+              <a:spcBef>
+                <a:spcPts val="0"/>
+              </a:spcBef>
+              <a:spcAft>
+                <a:spcPts val="0"/>
+              </a:spcAft>
+              <a:buClr>
+                <a:schemeClr val="lt1"/>
+              </a:buClr>
+              <a:buSzPts val="3200"/>
+              <a:buFont typeface="Ubuntu"/>
+              <a:buNone/>
+              <a:defRPr sz="3200" b="1" i="0" u="none" strike="noStrike" cap="none">
+                <a:solidFill>
+                  <a:schemeClr val="lt1"/>
+                </a:solidFill>
+                <a:latin typeface="Ubuntu"/>
+                <a:ea typeface="Ubuntu"/>
+                <a:cs typeface="Ubuntu"/>
+                <a:sym typeface="Ubuntu"/>
+              </a:defRPr>
+            </a:lvl8pPr>
+            <a:lvl9pPr marR="0" lvl="8" algn="l" rtl="0" eaLnBrk="1" hangingPunct="1">
+              <a:lnSpc>
+                <a:spcPct val="90000"/>
+              </a:lnSpc>
+              <a:spcBef>
+                <a:spcPts val="0"/>
+              </a:spcBef>
+              <a:spcAft>
+                <a:spcPts val="0"/>
+              </a:spcAft>
+              <a:buClr>
+                <a:schemeClr val="lt1"/>
+              </a:buClr>
+              <a:buSzPts val="3200"/>
+              <a:buFont typeface="Ubuntu"/>
+              <a:buNone/>
+              <a:defRPr sz="3200" b="1" i="0" u="none" strike="noStrike" cap="none">
+                <a:solidFill>
+                  <a:schemeClr val="lt1"/>
+                </a:solidFill>
+                <a:latin typeface="Ubuntu"/>
+                <a:ea typeface="Ubuntu"/>
+                <a:cs typeface="Ubuntu"/>
+                <a:sym typeface="Ubuntu"/>
+              </a:defRPr>
+            </a:lvl9pPr>
+          </a:lstStyle>
           <a:p>
-            <a:pPr marL="342900" indent="-342900" algn="just">
-              <a:buFont typeface="Arial" panose="020B0604020202020204" pitchFamily="34" charset="0"/>
-              <a:buChar char="•"/>
-            </a:pPr>
+            <a:pPr algn="l"/>
             <a:r>
-              <a:rPr lang="es-ES" sz="2800" b="1" dirty="0" err="1" smtClean="0"/>
-              <a:t>Measurement</a:t>
+              <a:rPr lang="es-ES" kern="0" dirty="0" smtClean="0"/>
+              <a:t>Management</a:t>
             </a:r>
-            <a:r>
-              <a:rPr lang="es-ES" sz="2800" dirty="0"/>
-              <a:t>:  </a:t>
-            </a:r>
-            <a:r>
-              <a:rPr lang="es-ES" sz="2800" dirty="0" smtClean="0"/>
-              <a:t>Parte </a:t>
-            </a:r>
-            <a:r>
-              <a:rPr lang="es-ES" sz="2800" dirty="0"/>
-              <a:t>de la estructura de datos </a:t>
-            </a:r>
-            <a:r>
-              <a:rPr lang="es-ES" sz="2800" dirty="0" err="1"/>
-              <a:t>InfluxDB</a:t>
-            </a:r>
-            <a:r>
-              <a:rPr lang="es-ES" sz="2800" dirty="0"/>
-              <a:t> que describe a los datos almacenados en los campos asociados. Estos datos son </a:t>
-            </a:r>
-            <a:r>
-              <a:rPr lang="es-ES" sz="2800" dirty="0" err="1"/>
-              <a:t>strings</a:t>
-            </a:r>
-            <a:r>
-              <a:rPr lang="es-ES" sz="2800" dirty="0" smtClean="0"/>
-              <a:t>.</a:t>
-            </a:r>
-          </a:p>
-          <a:p>
-            <a:pPr marL="342900" indent="-342900" algn="just">
-              <a:buFont typeface="Arial" panose="020B0604020202020204" pitchFamily="34" charset="0"/>
-              <a:buChar char="•"/>
-            </a:pPr>
-            <a:r>
-              <a:rPr lang="es-ES" sz="2800" b="1" dirty="0" err="1" smtClean="0"/>
-              <a:t>Tag</a:t>
-            </a:r>
-            <a:r>
-              <a:rPr lang="es-ES" sz="2800" b="1" dirty="0"/>
-              <a:t> Set</a:t>
-            </a:r>
-            <a:r>
-              <a:rPr lang="es-ES" sz="2800" dirty="0"/>
-              <a:t>: </a:t>
-            </a:r>
-            <a:r>
-              <a:rPr lang="es-ES" sz="2800" dirty="0" smtClean="0"/>
-              <a:t>Colección </a:t>
-            </a:r>
-            <a:r>
-              <a:rPr lang="es-ES" sz="2800" dirty="0"/>
-              <a:t>de </a:t>
-            </a:r>
-            <a:r>
-              <a:rPr lang="es-ES" sz="2800" dirty="0" err="1"/>
-              <a:t>tag</a:t>
-            </a:r>
-            <a:r>
-              <a:rPr lang="es-ES" sz="2800" dirty="0"/>
-              <a:t> </a:t>
-            </a:r>
-            <a:r>
-              <a:rPr lang="es-ES" sz="2800" dirty="0" err="1"/>
-              <a:t>keys</a:t>
-            </a:r>
-            <a:r>
-              <a:rPr lang="es-ES" sz="2800" dirty="0"/>
-              <a:t> y </a:t>
-            </a:r>
-            <a:r>
-              <a:rPr lang="es-ES" sz="2800" dirty="0" err="1"/>
-              <a:t>tag</a:t>
-            </a:r>
-            <a:r>
-              <a:rPr lang="es-ES" sz="2800" dirty="0"/>
-              <a:t> </a:t>
-            </a:r>
-            <a:r>
-              <a:rPr lang="es-ES" sz="2800" dirty="0" err="1"/>
-              <a:t>values</a:t>
-            </a:r>
-            <a:r>
-              <a:rPr lang="es-ES" sz="2800" dirty="0"/>
-              <a:t> en un </a:t>
-            </a:r>
-            <a:r>
-              <a:rPr lang="es-ES" sz="2800" dirty="0" smtClean="0"/>
-              <a:t>punto.</a:t>
-            </a:r>
-          </a:p>
-          <a:p>
-            <a:pPr marL="342900" indent="-342900" algn="just">
-              <a:buFont typeface="Arial" panose="020B0604020202020204" pitchFamily="34" charset="0"/>
-              <a:buChar char="•"/>
-            </a:pPr>
-            <a:r>
-              <a:rPr lang="es-ES" sz="2800" b="1" dirty="0"/>
-              <a:t>Punto</a:t>
-            </a:r>
-            <a:r>
-              <a:rPr lang="es-ES" sz="2800" dirty="0"/>
-              <a:t>: </a:t>
-            </a:r>
-            <a:r>
-              <a:rPr lang="es-ES" sz="2800" dirty="0" smtClean="0"/>
-              <a:t>Representa </a:t>
-            </a:r>
-            <a:r>
-              <a:rPr lang="es-ES" sz="2800" dirty="0"/>
-              <a:t>un solo registro de un dato, similar a una fila en una tabla de SQL</a:t>
-            </a:r>
-            <a:r>
-              <a:rPr lang="es-ES" sz="2800" dirty="0" smtClean="0"/>
-              <a:t>.</a:t>
-            </a:r>
-          </a:p>
-          <a:p>
-            <a:pPr marL="342900" indent="-342900" algn="just">
-              <a:buFont typeface="Arial" panose="020B0604020202020204" pitchFamily="34" charset="0"/>
-              <a:buChar char="•"/>
-            </a:pPr>
-            <a:r>
-              <a:rPr lang="es-ES" sz="2800" b="1" dirty="0"/>
-              <a:t>Field Set</a:t>
-            </a:r>
-            <a:r>
-              <a:rPr lang="es-ES" sz="2800" dirty="0"/>
-              <a:t>:  </a:t>
-            </a:r>
-            <a:r>
-              <a:rPr lang="es-ES" sz="2800" dirty="0" smtClean="0"/>
-              <a:t>Colección </a:t>
-            </a:r>
-            <a:r>
-              <a:rPr lang="es-ES" sz="2800" dirty="0"/>
-              <a:t>de </a:t>
-            </a:r>
-            <a:r>
-              <a:rPr lang="es-ES" sz="2800" dirty="0" err="1"/>
-              <a:t>field</a:t>
-            </a:r>
-            <a:r>
-              <a:rPr lang="es-ES" sz="2800" dirty="0"/>
-              <a:t> </a:t>
-            </a:r>
-            <a:r>
-              <a:rPr lang="es-ES" sz="2800" dirty="0" err="1"/>
-              <a:t>keys</a:t>
-            </a:r>
-            <a:r>
-              <a:rPr lang="es-ES" sz="2800" dirty="0"/>
-              <a:t> y </a:t>
-            </a:r>
-            <a:r>
-              <a:rPr lang="es-ES" sz="2800" dirty="0" err="1"/>
-              <a:t>field</a:t>
-            </a:r>
-            <a:r>
-              <a:rPr lang="es-ES" sz="2800" dirty="0"/>
-              <a:t> </a:t>
-            </a:r>
-            <a:r>
-              <a:rPr lang="es-ES" sz="2800" dirty="0" err="1"/>
-              <a:t>values</a:t>
-            </a:r>
-            <a:r>
-              <a:rPr lang="es-ES" sz="2800" dirty="0"/>
-              <a:t> en un </a:t>
-            </a:r>
-            <a:r>
-              <a:rPr lang="es-ES" sz="2800" dirty="0" smtClean="0"/>
-              <a:t>punto.</a:t>
-            </a:r>
-            <a:endParaRPr lang="es-ES" sz="2800" dirty="0"/>
+            <a:endParaRPr lang="es-ES" kern="0" dirty="0"/>
           </a:p>
         </p:txBody>
       </p:sp>
+      <p:pic>
+        <p:nvPicPr>
+          <p:cNvPr id="3" name="Picture 2"/>
+          <p:cNvPicPr>
+            <a:picLocks noChangeAspect="1"/>
+          </p:cNvPicPr>
+          <p:nvPr/>
+        </p:nvPicPr>
+        <p:blipFill>
+          <a:blip r:embed="rId2"/>
+          <a:stretch>
+            <a:fillRect/>
+          </a:stretch>
+        </p:blipFill>
+        <p:spPr>
+          <a:xfrm>
+            <a:off x="3713747" y="2049986"/>
+            <a:ext cx="4997254" cy="3852050"/>
+          </a:xfrm>
+          <a:prstGeom prst="rect">
+            <a:avLst/>
+          </a:prstGeom>
+        </p:spPr>
+      </p:pic>
+    </p:spTree>
+    <p:extLst>
+      <p:ext uri="{BB962C8B-B14F-4D97-AF65-F5344CB8AC3E}">
+        <p14:creationId xmlns:p14="http://schemas.microsoft.com/office/powerpoint/2010/main" val="3337620468"/>
+      </p:ext>
+    </p:extLst>
+  </p:cSld>
+  <p:clrMapOvr>
+    <a:masterClrMapping/>
+  </p:clrMapOvr>
+  <p:timing>
+    <p:tnLst>
+      <p:par>
+        <p:cTn id="1" dur="indefinite" restart="never" nodeType="tmRoot"/>
+      </p:par>
+    </p:tnLst>
+  </p:timing>
+</p:sld>
+</file>
+
+<file path=ppt/slides/slide6.xml><?xml version="1.0" encoding="utf-8"?>
+<p:sld xmlns:a="http://schemas.openxmlformats.org/drawingml/2006/main" xmlns:r="http://schemas.openxmlformats.org/officeDocument/2006/relationships" xmlns:p="http://schemas.openxmlformats.org/presentationml/2006/main">
+  <p:cSld>
+    <p:spTree>
+      <p:nvGrpSpPr>
+        <p:cNvPr id="1" name=""/>
+        <p:cNvGrpSpPr/>
+        <p:nvPr/>
+      </p:nvGrpSpPr>
+      <p:grpSpPr>
+        <a:xfrm>
+          <a:off x="0" y="0"/>
+          <a:ext cx="0" cy="0"/>
+          <a:chOff x="0" y="0"/>
+          <a:chExt cx="0" cy="0"/>
+        </a:xfrm>
+      </p:grpSpPr>
+      <p:sp>
+        <p:nvSpPr>
+          <p:cNvPr id="4" name="Title 1"/>
+          <p:cNvSpPr txBox="1">
+            <a:spLocks/>
+          </p:cNvSpPr>
+          <p:nvPr/>
+        </p:nvSpPr>
+        <p:spPr>
+          <a:xfrm>
+            <a:off x="609600" y="785478"/>
+            <a:ext cx="6208295" cy="1107490"/>
+          </a:xfrm>
+          <a:prstGeom prst="rect">
+            <a:avLst/>
+          </a:prstGeom>
+          <a:noFill/>
+          <a:ln>
+            <a:noFill/>
+          </a:ln>
+        </p:spPr>
+        <p:txBody>
+          <a:bodyPr spcFirstLastPara="1" wrap="square" lIns="0" tIns="0" rIns="0" bIns="0" anchor="b" anchorCtr="0">
+            <a:noAutofit/>
+          </a:bodyPr>
+          <a:lstStyle>
+            <a:defPPr marR="0" lvl="0" algn="l" rtl="0">
+              <a:lnSpc>
+                <a:spcPct val="100000"/>
+              </a:lnSpc>
+              <a:spcBef>
+                <a:spcPts val="0"/>
+              </a:spcBef>
+              <a:spcAft>
+                <a:spcPts val="0"/>
+              </a:spcAft>
+            </a:defPPr>
+            <a:lvl1pPr marR="0" lvl="0" algn="ctr" rtl="0" eaLnBrk="1" hangingPunct="1">
+              <a:lnSpc>
+                <a:spcPct val="90000"/>
+              </a:lnSpc>
+              <a:spcBef>
+                <a:spcPts val="0"/>
+              </a:spcBef>
+              <a:spcAft>
+                <a:spcPts val="0"/>
+              </a:spcAft>
+              <a:buClr>
+                <a:schemeClr val="lt1"/>
+              </a:buClr>
+              <a:buSzPts val="3200"/>
+              <a:buFont typeface="Ubuntu"/>
+              <a:buNone/>
+              <a:defRPr sz="6000" b="1" i="0" u="none" strike="noStrike" cap="none">
+                <a:solidFill>
+                  <a:schemeClr val="lt1"/>
+                </a:solidFill>
+                <a:latin typeface="Ubuntu"/>
+                <a:ea typeface="Ubuntu"/>
+                <a:cs typeface="Ubuntu"/>
+                <a:sym typeface="Ubuntu"/>
+              </a:defRPr>
+            </a:lvl1pPr>
+            <a:lvl2pPr marR="0" lvl="1" algn="l" rtl="0" eaLnBrk="1" hangingPunct="1">
+              <a:lnSpc>
+                <a:spcPct val="90000"/>
+              </a:lnSpc>
+              <a:spcBef>
+                <a:spcPts val="0"/>
+              </a:spcBef>
+              <a:spcAft>
+                <a:spcPts val="0"/>
+              </a:spcAft>
+              <a:buClr>
+                <a:schemeClr val="lt1"/>
+              </a:buClr>
+              <a:buSzPts val="3200"/>
+              <a:buFont typeface="Ubuntu"/>
+              <a:buNone/>
+              <a:defRPr sz="3200" b="1" i="0" u="none" strike="noStrike" cap="none">
+                <a:solidFill>
+                  <a:schemeClr val="lt1"/>
+                </a:solidFill>
+                <a:latin typeface="Ubuntu"/>
+                <a:ea typeface="Ubuntu"/>
+                <a:cs typeface="Ubuntu"/>
+                <a:sym typeface="Ubuntu"/>
+              </a:defRPr>
+            </a:lvl2pPr>
+            <a:lvl3pPr marR="0" lvl="2" algn="l" rtl="0" eaLnBrk="1" hangingPunct="1">
+              <a:lnSpc>
+                <a:spcPct val="90000"/>
+              </a:lnSpc>
+              <a:spcBef>
+                <a:spcPts val="0"/>
+              </a:spcBef>
+              <a:spcAft>
+                <a:spcPts val="0"/>
+              </a:spcAft>
+              <a:buClr>
+                <a:schemeClr val="lt1"/>
+              </a:buClr>
+              <a:buSzPts val="3200"/>
+              <a:buFont typeface="Ubuntu"/>
+              <a:buNone/>
+              <a:defRPr sz="3200" b="1" i="0" u="none" strike="noStrike" cap="none">
+                <a:solidFill>
+                  <a:schemeClr val="lt1"/>
+                </a:solidFill>
+                <a:latin typeface="Ubuntu"/>
+                <a:ea typeface="Ubuntu"/>
+                <a:cs typeface="Ubuntu"/>
+                <a:sym typeface="Ubuntu"/>
+              </a:defRPr>
+            </a:lvl3pPr>
+            <a:lvl4pPr marR="0" lvl="3" algn="l" rtl="0" eaLnBrk="1" hangingPunct="1">
+              <a:lnSpc>
+                <a:spcPct val="90000"/>
+              </a:lnSpc>
+              <a:spcBef>
+                <a:spcPts val="0"/>
+              </a:spcBef>
+              <a:spcAft>
+                <a:spcPts val="0"/>
+              </a:spcAft>
+              <a:buClr>
+                <a:schemeClr val="lt1"/>
+              </a:buClr>
+              <a:buSzPts val="3200"/>
+              <a:buFont typeface="Ubuntu"/>
+              <a:buNone/>
+              <a:defRPr sz="3200" b="1" i="0" u="none" strike="noStrike" cap="none">
+                <a:solidFill>
+                  <a:schemeClr val="lt1"/>
+                </a:solidFill>
+                <a:latin typeface="Ubuntu"/>
+                <a:ea typeface="Ubuntu"/>
+                <a:cs typeface="Ubuntu"/>
+                <a:sym typeface="Ubuntu"/>
+              </a:defRPr>
+            </a:lvl4pPr>
+            <a:lvl5pPr marR="0" lvl="4" algn="l" rtl="0" eaLnBrk="1" hangingPunct="1">
+              <a:lnSpc>
+                <a:spcPct val="90000"/>
+              </a:lnSpc>
+              <a:spcBef>
+                <a:spcPts val="0"/>
+              </a:spcBef>
+              <a:spcAft>
+                <a:spcPts val="0"/>
+              </a:spcAft>
+              <a:buClr>
+                <a:schemeClr val="lt1"/>
+              </a:buClr>
+              <a:buSzPts val="3200"/>
+              <a:buFont typeface="Ubuntu"/>
+              <a:buNone/>
+              <a:defRPr sz="3200" b="1" i="0" u="none" strike="noStrike" cap="none">
+                <a:solidFill>
+                  <a:schemeClr val="lt1"/>
+                </a:solidFill>
+                <a:latin typeface="Ubuntu"/>
+                <a:ea typeface="Ubuntu"/>
+                <a:cs typeface="Ubuntu"/>
+                <a:sym typeface="Ubuntu"/>
+              </a:defRPr>
+            </a:lvl5pPr>
+            <a:lvl6pPr marR="0" lvl="5" algn="l" rtl="0" eaLnBrk="1" hangingPunct="1">
+              <a:lnSpc>
+                <a:spcPct val="90000"/>
+              </a:lnSpc>
+              <a:spcBef>
+                <a:spcPts val="0"/>
+              </a:spcBef>
+              <a:spcAft>
+                <a:spcPts val="0"/>
+              </a:spcAft>
+              <a:buClr>
+                <a:schemeClr val="lt1"/>
+              </a:buClr>
+              <a:buSzPts val="3200"/>
+              <a:buFont typeface="Ubuntu"/>
+              <a:buNone/>
+              <a:defRPr sz="3200" b="1" i="0" u="none" strike="noStrike" cap="none">
+                <a:solidFill>
+                  <a:schemeClr val="lt1"/>
+                </a:solidFill>
+                <a:latin typeface="Ubuntu"/>
+                <a:ea typeface="Ubuntu"/>
+                <a:cs typeface="Ubuntu"/>
+                <a:sym typeface="Ubuntu"/>
+              </a:defRPr>
+            </a:lvl6pPr>
+            <a:lvl7pPr marR="0" lvl="6" algn="l" rtl="0" eaLnBrk="1" hangingPunct="1">
+              <a:lnSpc>
+                <a:spcPct val="90000"/>
+              </a:lnSpc>
+              <a:spcBef>
+                <a:spcPts val="0"/>
+              </a:spcBef>
+              <a:spcAft>
+                <a:spcPts val="0"/>
+              </a:spcAft>
+              <a:buClr>
+                <a:schemeClr val="lt1"/>
+              </a:buClr>
+              <a:buSzPts val="3200"/>
+              <a:buFont typeface="Ubuntu"/>
+              <a:buNone/>
+              <a:defRPr sz="3200" b="1" i="0" u="none" strike="noStrike" cap="none">
+                <a:solidFill>
+                  <a:schemeClr val="lt1"/>
+                </a:solidFill>
+                <a:latin typeface="Ubuntu"/>
+                <a:ea typeface="Ubuntu"/>
+                <a:cs typeface="Ubuntu"/>
+                <a:sym typeface="Ubuntu"/>
+              </a:defRPr>
+            </a:lvl7pPr>
+            <a:lvl8pPr marR="0" lvl="7" algn="l" rtl="0" eaLnBrk="1" hangingPunct="1">
+              <a:lnSpc>
+                <a:spcPct val="90000"/>
+              </a:lnSpc>
+              <a:spcBef>
+                <a:spcPts val="0"/>
+              </a:spcBef>
+              <a:spcAft>
+                <a:spcPts val="0"/>
+              </a:spcAft>
+              <a:buClr>
+                <a:schemeClr val="lt1"/>
+              </a:buClr>
+              <a:buSzPts val="3200"/>
+              <a:buFont typeface="Ubuntu"/>
+              <a:buNone/>
+              <a:defRPr sz="3200" b="1" i="0" u="none" strike="noStrike" cap="none">
+                <a:solidFill>
+                  <a:schemeClr val="lt1"/>
+                </a:solidFill>
+                <a:latin typeface="Ubuntu"/>
+                <a:ea typeface="Ubuntu"/>
+                <a:cs typeface="Ubuntu"/>
+                <a:sym typeface="Ubuntu"/>
+              </a:defRPr>
+            </a:lvl8pPr>
+            <a:lvl9pPr marR="0" lvl="8" algn="l" rtl="0" eaLnBrk="1" hangingPunct="1">
+              <a:lnSpc>
+                <a:spcPct val="90000"/>
+              </a:lnSpc>
+              <a:spcBef>
+                <a:spcPts val="0"/>
+              </a:spcBef>
+              <a:spcAft>
+                <a:spcPts val="0"/>
+              </a:spcAft>
+              <a:buClr>
+                <a:schemeClr val="lt1"/>
+              </a:buClr>
+              <a:buSzPts val="3200"/>
+              <a:buFont typeface="Ubuntu"/>
+              <a:buNone/>
+              <a:defRPr sz="3200" b="1" i="0" u="none" strike="noStrike" cap="none">
+                <a:solidFill>
+                  <a:schemeClr val="lt1"/>
+                </a:solidFill>
+                <a:latin typeface="Ubuntu"/>
+                <a:ea typeface="Ubuntu"/>
+                <a:cs typeface="Ubuntu"/>
+                <a:sym typeface="Ubuntu"/>
+              </a:defRPr>
+            </a:lvl9pPr>
+          </a:lstStyle>
+          <a:p>
+            <a:pPr algn="l"/>
+            <a:r>
+              <a:rPr lang="es-ES" kern="0" dirty="0" err="1" smtClean="0"/>
+              <a:t>Mappers</a:t>
+            </a:r>
+            <a:endParaRPr lang="es-ES" kern="0" dirty="0"/>
+          </a:p>
+        </p:txBody>
+      </p:sp>
+      <p:pic>
+        <p:nvPicPr>
+          <p:cNvPr id="5" name="Picture 4"/>
+          <p:cNvPicPr>
+            <a:picLocks noChangeAspect="1"/>
+          </p:cNvPicPr>
+          <p:nvPr/>
+        </p:nvPicPr>
+        <p:blipFill>
+          <a:blip r:embed="rId2"/>
+          <a:stretch>
+            <a:fillRect/>
+          </a:stretch>
+        </p:blipFill>
+        <p:spPr>
+          <a:xfrm>
+            <a:off x="3489263" y="2024451"/>
+            <a:ext cx="5534663" cy="3887619"/>
+          </a:xfrm>
+          <a:prstGeom prst="rect">
+            <a:avLst/>
+          </a:prstGeom>
+        </p:spPr>
+      </p:pic>
+    </p:spTree>
+    <p:extLst>
+      <p:ext uri="{BB962C8B-B14F-4D97-AF65-F5344CB8AC3E}">
+        <p14:creationId xmlns:p14="http://schemas.microsoft.com/office/powerpoint/2010/main" val="1780086244"/>
+      </p:ext>
+    </p:extLst>
+  </p:cSld>
+  <p:clrMapOvr>
+    <a:masterClrMapping/>
+  </p:clrMapOvr>
+</p:sld>
+</file>
+
+<file path=ppt/slides/slide7.xml><?xml version="1.0" encoding="utf-8"?>
+<p:sld xmlns:a="http://schemas.openxmlformats.org/drawingml/2006/main" xmlns:r="http://schemas.openxmlformats.org/officeDocument/2006/relationships" xmlns:p="http://schemas.openxmlformats.org/presentationml/2006/main">
+  <p:cSld>
+    <p:spTree>
+      <p:nvGrpSpPr>
+        <p:cNvPr id="1" name=""/>
+        <p:cNvGrpSpPr/>
+        <p:nvPr/>
+      </p:nvGrpSpPr>
+      <p:grpSpPr>
+        <a:xfrm>
+          <a:off x="0" y="0"/>
+          <a:ext cx="0" cy="0"/>
+          <a:chOff x="0" y="0"/>
+          <a:chExt cx="0" cy="0"/>
+        </a:xfrm>
+      </p:grpSpPr>
+      <p:pic>
+        <p:nvPicPr>
+          <p:cNvPr id="4" name="Picture 3"/>
+          <p:cNvPicPr>
+            <a:picLocks noChangeAspect="1"/>
+          </p:cNvPicPr>
+          <p:nvPr/>
+        </p:nvPicPr>
+        <p:blipFill>
+          <a:blip r:embed="rId2"/>
+          <a:stretch>
+            <a:fillRect/>
+          </a:stretch>
+        </p:blipFill>
+        <p:spPr>
+          <a:xfrm>
+            <a:off x="2280612" y="1892968"/>
+            <a:ext cx="6900333" cy="4118381"/>
+          </a:xfrm>
+          <a:prstGeom prst="rect">
+            <a:avLst/>
+          </a:prstGeom>
+        </p:spPr>
+      </p:pic>
       <p:sp>
         <p:nvSpPr>
           <p:cNvPr id="5" name="Title 1"/>
@@ -8378,8 +8820,8 @@
           <a:p>
             <a:pPr algn="l"/>
             <a:r>
-              <a:rPr lang="es-ES" kern="0" dirty="0" smtClean="0"/>
-              <a:t>Conceptos</a:t>
+              <a:rPr lang="es-ES" kern="0" dirty="0" err="1" smtClean="0"/>
+              <a:t>Models</a:t>
             </a:r>
             <a:endParaRPr lang="es-ES" kern="0" dirty="0"/>
           </a:p>
@@ -8388,20 +8830,13 @@
     </p:spTree>
     <p:extLst>
       <p:ext uri="{BB962C8B-B14F-4D97-AF65-F5344CB8AC3E}">
-        <p14:creationId xmlns:p14="http://schemas.microsoft.com/office/powerpoint/2010/main" val="3337620468"/>
+        <p14:creationId xmlns:p14="http://schemas.microsoft.com/office/powerpoint/2010/main" val="3726631377"/>
       </p:ext>
     </p:extLst>
   </p:cSld>
   <p:clrMapOvr>
     <a:masterClrMapping/>
   </p:clrMapOvr>
-  <p:timing>
-    <p:tnLst>
-      <p:par>
-        <p:cTn id="1" dur="indefinite" restart="never" nodeType="tmRoot"/>
-      </p:par>
-    </p:tnLst>
-  </p:timing>
 </p:sld>
 </file>
 
